--- a/Polynomial_Regression/Polynomial_Regression.pptx
+++ b/Polynomial_Regression/Polynomial_Regression.pptx
@@ -116,6 +116,11 @@
       </a:defRPr>
     </a:lvl9pPr>
   </p:defaultTextStyle>
+  <p:extLst>
+    <p:ext uri="{EFAFB233-063F-42B5-8137-9DF3F51BA10A}">
+      <p15:sldGuideLst xmlns:p15="http://schemas.microsoft.com/office/powerpoint/2012/main"/>
+    </p:ext>
+  </p:extLst>
 </p:presentation>
 </file>
 
@@ -216,17 +221,7 @@
           <c:invertIfNegative val="0"/>
           <c:cat>
             <c:strRef>
-              <c:extLst>
-                <c:ext xmlns:c15="http://schemas.microsoft.com/office/drawing/2012/chart" uri="{02D57815-91ED-43cb-92C2-25804820EDAC}">
-                  <c15:fullRef>
-                    <c15:sqref>Position_Salaries!$A$2:$B$11</c15:sqref>
-                  </c15:fullRef>
-                  <c15:levelRef>
-                    <c15:sqref>Position_Salaries!$A$2:$A$11</c15:sqref>
-                  </c15:levelRef>
-                </c:ext>
-              </c:extLst>
-              <c:f>Position_Salaries!$A$2:$A$11</c:f>
+              <c:f>Position_Salaries!$A$2:$B$11</c:f>
               <c:strCache>
                 <c:ptCount val="10"/>
                 <c:pt idx="0">
@@ -1221,7 +1216,7 @@
           <a:p>
             <a:fld id="{B6127D9A-EF21-44EA-B6F9-213148133235}" type="datetimeFigureOut">
               <a:rPr lang="en-US" smtClean="0"/>
-              <a:t>1/15/2019</a:t>
+              <a:t>1/17/2019</a:t>
             </a:fld>
             <a:endParaRPr lang="en-US"/>
           </a:p>
@@ -1391,7 +1386,7 @@
           <a:p>
             <a:fld id="{B6127D9A-EF21-44EA-B6F9-213148133235}" type="datetimeFigureOut">
               <a:rPr lang="en-US" smtClean="0"/>
-              <a:t>1/15/2019</a:t>
+              <a:t>1/17/2019</a:t>
             </a:fld>
             <a:endParaRPr lang="en-US"/>
           </a:p>
@@ -1571,7 +1566,7 @@
           <a:p>
             <a:fld id="{B6127D9A-EF21-44EA-B6F9-213148133235}" type="datetimeFigureOut">
               <a:rPr lang="en-US" smtClean="0"/>
-              <a:t>1/15/2019</a:t>
+              <a:t>1/17/2019</a:t>
             </a:fld>
             <a:endParaRPr lang="en-US"/>
           </a:p>
@@ -1741,7 +1736,7 @@
           <a:p>
             <a:fld id="{B6127D9A-EF21-44EA-B6F9-213148133235}" type="datetimeFigureOut">
               <a:rPr lang="en-US" smtClean="0"/>
-              <a:t>1/15/2019</a:t>
+              <a:t>1/17/2019</a:t>
             </a:fld>
             <a:endParaRPr lang="en-US"/>
           </a:p>
@@ -1987,7 +1982,7 @@
           <a:p>
             <a:fld id="{B6127D9A-EF21-44EA-B6F9-213148133235}" type="datetimeFigureOut">
               <a:rPr lang="en-US" smtClean="0"/>
-              <a:t>1/15/2019</a:t>
+              <a:t>1/17/2019</a:t>
             </a:fld>
             <a:endParaRPr lang="en-US"/>
           </a:p>
@@ -2275,7 +2270,7 @@
           <a:p>
             <a:fld id="{B6127D9A-EF21-44EA-B6F9-213148133235}" type="datetimeFigureOut">
               <a:rPr lang="en-US" smtClean="0"/>
-              <a:t>1/15/2019</a:t>
+              <a:t>1/17/2019</a:t>
             </a:fld>
             <a:endParaRPr lang="en-US"/>
           </a:p>
@@ -2697,7 +2692,7 @@
           <a:p>
             <a:fld id="{B6127D9A-EF21-44EA-B6F9-213148133235}" type="datetimeFigureOut">
               <a:rPr lang="en-US" smtClean="0"/>
-              <a:t>1/15/2019</a:t>
+              <a:t>1/17/2019</a:t>
             </a:fld>
             <a:endParaRPr lang="en-US"/>
           </a:p>
@@ -2815,7 +2810,7 @@
           <a:p>
             <a:fld id="{B6127D9A-EF21-44EA-B6F9-213148133235}" type="datetimeFigureOut">
               <a:rPr lang="en-US" smtClean="0"/>
-              <a:t>1/15/2019</a:t>
+              <a:t>1/17/2019</a:t>
             </a:fld>
             <a:endParaRPr lang="en-US"/>
           </a:p>
@@ -2910,7 +2905,7 @@
           <a:p>
             <a:fld id="{B6127D9A-EF21-44EA-B6F9-213148133235}" type="datetimeFigureOut">
               <a:rPr lang="en-US" smtClean="0"/>
-              <a:t>1/15/2019</a:t>
+              <a:t>1/17/2019</a:t>
             </a:fld>
             <a:endParaRPr lang="en-US"/>
           </a:p>
@@ -3187,7 +3182,7 @@
           <a:p>
             <a:fld id="{B6127D9A-EF21-44EA-B6F9-213148133235}" type="datetimeFigureOut">
               <a:rPr lang="en-US" smtClean="0"/>
-              <a:t>1/15/2019</a:t>
+              <a:t>1/17/2019</a:t>
             </a:fld>
             <a:endParaRPr lang="en-US"/>
           </a:p>
@@ -3444,7 +3439,7 @@
           <a:p>
             <a:fld id="{B6127D9A-EF21-44EA-B6F9-213148133235}" type="datetimeFigureOut">
               <a:rPr lang="en-US" smtClean="0"/>
-              <a:t>1/15/2019</a:t>
+              <a:t>1/17/2019</a:t>
             </a:fld>
             <a:endParaRPr lang="en-US"/>
           </a:p>
@@ -3655,7 +3650,7 @@
           <a:p>
             <a:fld id="{B6127D9A-EF21-44EA-B6F9-213148133235}" type="datetimeFigureOut">
               <a:rPr lang="en-US" smtClean="0"/>
-              <a:t>1/15/2019</a:t>
+              <a:t>1/17/2019</a:t>
             </a:fld>
             <a:endParaRPr lang="en-US"/>
           </a:p>
@@ -19887,7 +19882,6 @@
               <a:rPr lang="en-US" dirty="0" smtClean="0"/>
               <a:t>Identifying weather if the salary declared by a new employee in his previous company is true or false</a:t>
             </a:r>
-            <a:endParaRPr lang="en-US" dirty="0" smtClean="0"/>
           </a:p>
           <a:p>
             <a:endParaRPr lang="en-US" dirty="0" smtClean="0"/>
@@ -19903,11 +19897,7 @@
             </a:r>
             <a:r>
               <a:rPr lang="en-US" dirty="0" smtClean="0"/>
-              <a:t>data Set of </a:t>
-            </a:r>
-            <a:r>
-              <a:rPr lang="en-US" dirty="0" smtClean="0"/>
-              <a:t>Positions experience level and salaries of 10 different positions at different expertise level.</a:t>
+              <a:t>data Set of Positions experience level and salaries of 10 different positions at different expertise level.</a:t>
             </a:r>
             <a:endParaRPr lang="en-US" b="1" u="sng" dirty="0" smtClean="0"/>
           </a:p>
@@ -19921,31 +19911,7 @@
             </a:r>
             <a:r>
               <a:rPr lang="en-US" dirty="0" smtClean="0"/>
-              <a:t> To develop a </a:t>
-            </a:r>
-            <a:r>
-              <a:rPr lang="en-US" dirty="0" smtClean="0"/>
-              <a:t>Regression model </a:t>
-            </a:r>
-            <a:r>
-              <a:rPr lang="en-US" dirty="0" smtClean="0"/>
-              <a:t>which would help the </a:t>
-            </a:r>
-            <a:r>
-              <a:rPr lang="en-US" dirty="0" smtClean="0"/>
-              <a:t>Employer </a:t>
-            </a:r>
-            <a:r>
-              <a:rPr lang="en-US" dirty="0" smtClean="0"/>
-              <a:t>to </a:t>
-            </a:r>
-            <a:r>
-              <a:rPr lang="en-US" dirty="0" smtClean="0"/>
-              <a:t>estimate the salary for his level of experience &amp; decide on the honesty of his new employee </a:t>
-            </a:r>
-            <a:r>
-              <a:rPr lang="en-US" dirty="0" smtClean="0"/>
-              <a:t>about his salary</a:t>
+              <a:t> To develop a Regression model which would help the Employer to estimate the salary for his level of experience &amp; decide on the honesty of his new employee about his salary</a:t>
             </a:r>
             <a:endParaRPr lang="en-US" b="1" u="sng" dirty="0"/>
           </a:p>
@@ -19968,7 +19934,7 @@
           <a:p>
             <a:fld id="{CE5545B6-6FDD-460F-A1D5-7DBF4363784A}" type="datetime3">
               <a:rPr lang="en-US" smtClean="0"/>
-              <a:t>15 January 2019</a:t>
+              <a:t>17 January 2019</a:t>
             </a:fld>
             <a:endParaRPr lang="en-US"/>
           </a:p>
@@ -22978,14 +22944,6 @@
               </a:rPr>
               <a:t>Polynomial Regression to the dataset</a:t>
             </a:r>
-            <a:endParaRPr lang="en-US" sz="4000" dirty="0">
-              <a:solidFill>
-                <a:schemeClr val="tx2"/>
-              </a:solidFill>
-              <a:highlight>
-                <a:srgbClr val="FFFFFF"/>
-              </a:highlight>
-            </a:endParaRPr>
           </a:p>
         </p:txBody>
       </p:sp>

--- a/Polynomial_Regression/Polynomial_Regression.pptx
+++ b/Polynomial_Regression/Polynomial_Regression.pptx
@@ -1216,7 +1216,7 @@
           <a:p>
             <a:fld id="{B6127D9A-EF21-44EA-B6F9-213148133235}" type="datetimeFigureOut">
               <a:rPr lang="en-US" smtClean="0"/>
-              <a:t>1/17/2019</a:t>
+              <a:t>1/19/2019</a:t>
             </a:fld>
             <a:endParaRPr lang="en-US"/>
           </a:p>
@@ -1386,7 +1386,7 @@
           <a:p>
             <a:fld id="{B6127D9A-EF21-44EA-B6F9-213148133235}" type="datetimeFigureOut">
               <a:rPr lang="en-US" smtClean="0"/>
-              <a:t>1/17/2019</a:t>
+              <a:t>1/19/2019</a:t>
             </a:fld>
             <a:endParaRPr lang="en-US"/>
           </a:p>
@@ -1566,7 +1566,7 @@
           <a:p>
             <a:fld id="{B6127D9A-EF21-44EA-B6F9-213148133235}" type="datetimeFigureOut">
               <a:rPr lang="en-US" smtClean="0"/>
-              <a:t>1/17/2019</a:t>
+              <a:t>1/19/2019</a:t>
             </a:fld>
             <a:endParaRPr lang="en-US"/>
           </a:p>
@@ -1736,7 +1736,7 @@
           <a:p>
             <a:fld id="{B6127D9A-EF21-44EA-B6F9-213148133235}" type="datetimeFigureOut">
               <a:rPr lang="en-US" smtClean="0"/>
-              <a:t>1/17/2019</a:t>
+              <a:t>1/19/2019</a:t>
             </a:fld>
             <a:endParaRPr lang="en-US"/>
           </a:p>
@@ -1982,7 +1982,7 @@
           <a:p>
             <a:fld id="{B6127D9A-EF21-44EA-B6F9-213148133235}" type="datetimeFigureOut">
               <a:rPr lang="en-US" smtClean="0"/>
-              <a:t>1/17/2019</a:t>
+              <a:t>1/19/2019</a:t>
             </a:fld>
             <a:endParaRPr lang="en-US"/>
           </a:p>
@@ -2270,7 +2270,7 @@
           <a:p>
             <a:fld id="{B6127D9A-EF21-44EA-B6F9-213148133235}" type="datetimeFigureOut">
               <a:rPr lang="en-US" smtClean="0"/>
-              <a:t>1/17/2019</a:t>
+              <a:t>1/19/2019</a:t>
             </a:fld>
             <a:endParaRPr lang="en-US"/>
           </a:p>
@@ -2692,7 +2692,7 @@
           <a:p>
             <a:fld id="{B6127D9A-EF21-44EA-B6F9-213148133235}" type="datetimeFigureOut">
               <a:rPr lang="en-US" smtClean="0"/>
-              <a:t>1/17/2019</a:t>
+              <a:t>1/19/2019</a:t>
             </a:fld>
             <a:endParaRPr lang="en-US"/>
           </a:p>
@@ -2810,7 +2810,7 @@
           <a:p>
             <a:fld id="{B6127D9A-EF21-44EA-B6F9-213148133235}" type="datetimeFigureOut">
               <a:rPr lang="en-US" smtClean="0"/>
-              <a:t>1/17/2019</a:t>
+              <a:t>1/19/2019</a:t>
             </a:fld>
             <a:endParaRPr lang="en-US"/>
           </a:p>
@@ -2905,7 +2905,7 @@
           <a:p>
             <a:fld id="{B6127D9A-EF21-44EA-B6F9-213148133235}" type="datetimeFigureOut">
               <a:rPr lang="en-US" smtClean="0"/>
-              <a:t>1/17/2019</a:t>
+              <a:t>1/19/2019</a:t>
             </a:fld>
             <a:endParaRPr lang="en-US"/>
           </a:p>
@@ -3182,7 +3182,7 @@
           <a:p>
             <a:fld id="{B6127D9A-EF21-44EA-B6F9-213148133235}" type="datetimeFigureOut">
               <a:rPr lang="en-US" smtClean="0"/>
-              <a:t>1/17/2019</a:t>
+              <a:t>1/19/2019</a:t>
             </a:fld>
             <a:endParaRPr lang="en-US"/>
           </a:p>
@@ -3439,7 +3439,7 @@
           <a:p>
             <a:fld id="{B6127D9A-EF21-44EA-B6F9-213148133235}" type="datetimeFigureOut">
               <a:rPr lang="en-US" smtClean="0"/>
-              <a:t>1/17/2019</a:t>
+              <a:t>1/19/2019</a:t>
             </a:fld>
             <a:endParaRPr lang="en-US"/>
           </a:p>
@@ -3650,7 +3650,7 @@
           <a:p>
             <a:fld id="{B6127D9A-EF21-44EA-B6F9-213148133235}" type="datetimeFigureOut">
               <a:rPr lang="en-US" smtClean="0"/>
-              <a:t>1/17/2019</a:t>
+              <a:t>1/19/2019</a:t>
             </a:fld>
             <a:endParaRPr lang="en-US"/>
           </a:p>
@@ -19934,7 +19934,7 @@
           <a:p>
             <a:fld id="{CE5545B6-6FDD-460F-A1D5-7DBF4363784A}" type="datetime3">
               <a:rPr lang="en-US" smtClean="0"/>
-              <a:t>17 January 2019</a:t>
+              <a:t>19 January 2019</a:t>
             </a:fld>
             <a:endParaRPr lang="en-US"/>
           </a:p>
